--- a/Report.pptx
+++ b/Report.pptx
@@ -264,7 +264,7 @@
           <a:p>
             <a:fld id="{F63E711E-6555-4EDE-A244-2F928E7AD5E1}" type="datetimeFigureOut">
               <a:rPr lang="en-US" smtClean="0"/>
-              <a:t>10/16/2021</a:t>
+              <a:t>2/2/2022</a:t>
             </a:fld>
             <a:endParaRPr lang="en-US"/>
           </a:p>
@@ -462,7 +462,7 @@
           <a:p>
             <a:fld id="{F63E711E-6555-4EDE-A244-2F928E7AD5E1}" type="datetimeFigureOut">
               <a:rPr lang="en-US" smtClean="0"/>
-              <a:t>10/16/2021</a:t>
+              <a:t>2/2/2022</a:t>
             </a:fld>
             <a:endParaRPr lang="en-US"/>
           </a:p>
@@ -670,7 +670,7 @@
           <a:p>
             <a:fld id="{F63E711E-6555-4EDE-A244-2F928E7AD5E1}" type="datetimeFigureOut">
               <a:rPr lang="en-US" smtClean="0"/>
-              <a:t>10/16/2021</a:t>
+              <a:t>2/2/2022</a:t>
             </a:fld>
             <a:endParaRPr lang="en-US"/>
           </a:p>
@@ -868,7 +868,7 @@
           <a:p>
             <a:fld id="{F63E711E-6555-4EDE-A244-2F928E7AD5E1}" type="datetimeFigureOut">
               <a:rPr lang="en-US" smtClean="0"/>
-              <a:t>10/16/2021</a:t>
+              <a:t>2/2/2022</a:t>
             </a:fld>
             <a:endParaRPr lang="en-US"/>
           </a:p>
@@ -1143,7 +1143,7 @@
           <a:p>
             <a:fld id="{F63E711E-6555-4EDE-A244-2F928E7AD5E1}" type="datetimeFigureOut">
               <a:rPr lang="en-US" smtClean="0"/>
-              <a:t>10/16/2021</a:t>
+              <a:t>2/2/2022</a:t>
             </a:fld>
             <a:endParaRPr lang="en-US"/>
           </a:p>
@@ -1408,7 +1408,7 @@
           <a:p>
             <a:fld id="{F63E711E-6555-4EDE-A244-2F928E7AD5E1}" type="datetimeFigureOut">
               <a:rPr lang="en-US" smtClean="0"/>
-              <a:t>10/16/2021</a:t>
+              <a:t>2/2/2022</a:t>
             </a:fld>
             <a:endParaRPr lang="en-US"/>
           </a:p>
@@ -1820,7 +1820,7 @@
           <a:p>
             <a:fld id="{F63E711E-6555-4EDE-A244-2F928E7AD5E1}" type="datetimeFigureOut">
               <a:rPr lang="en-US" smtClean="0"/>
-              <a:t>10/16/2021</a:t>
+              <a:t>2/2/2022</a:t>
             </a:fld>
             <a:endParaRPr lang="en-US"/>
           </a:p>
@@ -1961,7 +1961,7 @@
           <a:p>
             <a:fld id="{F63E711E-6555-4EDE-A244-2F928E7AD5E1}" type="datetimeFigureOut">
               <a:rPr lang="en-US" smtClean="0"/>
-              <a:t>10/16/2021</a:t>
+              <a:t>2/2/2022</a:t>
             </a:fld>
             <a:endParaRPr lang="en-US"/>
           </a:p>
@@ -2074,7 +2074,7 @@
           <a:p>
             <a:fld id="{F63E711E-6555-4EDE-A244-2F928E7AD5E1}" type="datetimeFigureOut">
               <a:rPr lang="en-US" smtClean="0"/>
-              <a:t>10/16/2021</a:t>
+              <a:t>2/2/2022</a:t>
             </a:fld>
             <a:endParaRPr lang="en-US"/>
           </a:p>
@@ -2385,7 +2385,7 @@
           <a:p>
             <a:fld id="{F63E711E-6555-4EDE-A244-2F928E7AD5E1}" type="datetimeFigureOut">
               <a:rPr lang="en-US" smtClean="0"/>
-              <a:t>10/16/2021</a:t>
+              <a:t>2/2/2022</a:t>
             </a:fld>
             <a:endParaRPr lang="en-US"/>
           </a:p>
@@ -2673,7 +2673,7 @@
           <a:p>
             <a:fld id="{F63E711E-6555-4EDE-A244-2F928E7AD5E1}" type="datetimeFigureOut">
               <a:rPr lang="en-US" smtClean="0"/>
-              <a:t>10/16/2021</a:t>
+              <a:t>2/2/2022</a:t>
             </a:fld>
             <a:endParaRPr lang="en-US"/>
           </a:p>
@@ -2750,9 +2750,15 @@
 <p:sldMaster xmlns:a="http://schemas.openxmlformats.org/drawingml/2006/main" xmlns:r="http://schemas.openxmlformats.org/officeDocument/2006/relationships" xmlns:p="http://schemas.openxmlformats.org/presentationml/2006/main">
   <p:cSld>
     <p:bg>
-      <p:bgRef idx="1001">
-        <a:schemeClr val="bg1"/>
-      </p:bgRef>
+      <p:bgPr>
+        <a:solidFill>
+          <a:schemeClr val="accent1">
+            <a:lumMod val="40000"/>
+            <a:lumOff val="60000"/>
+          </a:schemeClr>
+        </a:solidFill>
+        <a:effectLst/>
+      </p:bgPr>
     </p:bg>
     <p:spTree>
       <p:nvGrpSpPr>
@@ -2914,7 +2920,7 @@
           <a:p>
             <a:fld id="{F63E711E-6555-4EDE-A244-2F928E7AD5E1}" type="datetimeFigureOut">
               <a:rPr lang="en-US" smtClean="0"/>
-              <a:t>10/16/2021</a:t>
+              <a:t>2/2/2022</a:t>
             </a:fld>
             <a:endParaRPr lang="en-US"/>
           </a:p>
@@ -3833,15 +3839,7 @@
           <a:p>
             <a:r>
               <a:rPr lang="en-US" dirty="0"/>
-              <a:t>As demonstrated in the </a:t>
-            </a:r>
-            <a:r>
-              <a:rPr lang="en-US" dirty="0" err="1"/>
-              <a:t>Jupyter</a:t>
-            </a:r>
-            <a:r>
-              <a:rPr lang="en-US" dirty="0"/>
-              <a:t> notebook a Random Forest Classifier could also predict the success of a particular charity with a score of 73%. </a:t>
+              <a:t>As demonstrated in the Jupyter notebook a Random Forest Classifier could also predict the success of a particular charity with a score of 73%. </a:t>
             </a:r>
           </a:p>
         </p:txBody>
